--- a/tusentijdse presentatie.pptx
+++ b/tusentijdse presentatie.pptx
@@ -5,19 +5,22 @@
     <p:sldMasterId id="2147483648" r:id="rId5"/>
   </p:sldMasterIdLst>
   <p:notesMasterIdLst>
-    <p:notesMasterId r:id="rId13"/>
+    <p:notesMasterId r:id="rId16"/>
   </p:notesMasterIdLst>
   <p:handoutMasterIdLst>
-    <p:handoutMasterId r:id="rId14"/>
+    <p:handoutMasterId r:id="rId17"/>
   </p:handoutMasterIdLst>
   <p:sldIdLst>
     <p:sldId id="256" r:id="rId6"/>
-    <p:sldId id="257" r:id="rId7"/>
-    <p:sldId id="258" r:id="rId8"/>
-    <p:sldId id="259" r:id="rId9"/>
-    <p:sldId id="260" r:id="rId10"/>
-    <p:sldId id="261" r:id="rId11"/>
-    <p:sldId id="262" r:id="rId12"/>
+    <p:sldId id="264" r:id="rId7"/>
+    <p:sldId id="257" r:id="rId8"/>
+    <p:sldId id="263" r:id="rId9"/>
+    <p:sldId id="258" r:id="rId10"/>
+    <p:sldId id="259" r:id="rId11"/>
+    <p:sldId id="260" r:id="rId12"/>
+    <p:sldId id="261" r:id="rId13"/>
+    <p:sldId id="262" r:id="rId14"/>
+    <p:sldId id="265" r:id="rId15"/>
   </p:sldIdLst>
   <p:sldSz cx="12192000" cy="6858000"/>
   <p:notesSz cx="7010400" cy="9296400"/>
@@ -232,7 +235,7 @@
             <a:fld id="{7F1A4A96-82D9-489B-915B-218BDB102403}" type="datetimeFigureOut">
               <a:rPr lang="nl-BE" smtClean="0"/>
               <a:pPr/>
-              <a:t>25/03/2021</a:t>
+              <a:t>29/03/2021</a:t>
             </a:fld>
             <a:endParaRPr lang="nl-BE"/>
           </a:p>
@@ -399,7 +402,7 @@
             <a:fld id="{D1925427-6E8A-463A-9752-7D22F5CAF14A}" type="datetimeFigureOut">
               <a:rPr lang="nl-BE" smtClean="0"/>
               <a:pPr/>
-              <a:t>25/03/2021</a:t>
+              <a:t>29/03/2021</a:t>
             </a:fld>
             <a:endParaRPr lang="nl-BE"/>
           </a:p>
@@ -3260,7 +3263,10 @@
           <a:bodyPr/>
           <a:lstStyle/>
           <a:p>
-            <a:endParaRPr lang="en-US" dirty="0"/>
+            <a:r>
+              <a:rPr lang="en-US" dirty="0"/>
+              <a:t>Antwerp Space</a:t>
+            </a:r>
           </a:p>
         </p:txBody>
       </p:sp>
@@ -3338,7 +3344,327 @@
 </p:sld>
 </file>
 
+<file path=ppt/slides/slide10.xml><?xml version="1.0" encoding="utf-8"?>
+<p:sld xmlns:a="http://schemas.openxmlformats.org/drawingml/2006/main" xmlns:r="http://schemas.openxmlformats.org/officeDocument/2006/relationships" xmlns:p="http://schemas.openxmlformats.org/presentationml/2006/main">
+  <p:cSld>
+    <p:spTree>
+      <p:nvGrpSpPr>
+        <p:cNvPr id="1" name=""/>
+        <p:cNvGrpSpPr/>
+        <p:nvPr/>
+      </p:nvGrpSpPr>
+      <p:grpSpPr>
+        <a:xfrm>
+          <a:off x="0" y="0"/>
+          <a:ext cx="0" cy="0"/>
+          <a:chOff x="0" y="0"/>
+          <a:chExt cx="0" cy="0"/>
+        </a:xfrm>
+      </p:grpSpPr>
+      <p:sp>
+        <p:nvSpPr>
+          <p:cNvPr id="7" name="Subtitle 6">
+            <a:extLst>
+              <a:ext uri="{FF2B5EF4-FFF2-40B4-BE49-F238E27FC236}">
+                <a16:creationId xmlns:a16="http://schemas.microsoft.com/office/drawing/2014/main" id="{4B14B764-19C9-4287-A8A4-59C05CC626A0}"/>
+              </a:ext>
+            </a:extLst>
+          </p:cNvPr>
+          <p:cNvSpPr>
+            <a:spLocks noGrp="1"/>
+          </p:cNvSpPr>
+          <p:nvPr>
+            <p:ph type="subTitle" idx="1"/>
+          </p:nvPr>
+        </p:nvSpPr>
+        <p:spPr/>
+        <p:txBody>
+          <a:bodyPr/>
+          <a:lstStyle/>
+          <a:p>
+            <a:endParaRPr lang="nl-BE"/>
+          </a:p>
+        </p:txBody>
+      </p:sp>
+      <p:sp>
+        <p:nvSpPr>
+          <p:cNvPr id="6" name="Title 5">
+            <a:extLst>
+              <a:ext uri="{FF2B5EF4-FFF2-40B4-BE49-F238E27FC236}">
+                <a16:creationId xmlns:a16="http://schemas.microsoft.com/office/drawing/2014/main" id="{3810673D-07F6-42F3-9844-D214F40D6C9A}"/>
+              </a:ext>
+            </a:extLst>
+          </p:cNvPr>
+          <p:cNvSpPr>
+            <a:spLocks noGrp="1"/>
+          </p:cNvSpPr>
+          <p:nvPr>
+            <p:ph type="title"/>
+          </p:nvPr>
+        </p:nvSpPr>
+        <p:spPr/>
+        <p:txBody>
+          <a:bodyPr/>
+          <a:lstStyle/>
+          <a:p>
+            <a:r>
+              <a:rPr lang="nl-BE" dirty="0"/>
+              <a:t>Vragen?</a:t>
+            </a:r>
+          </a:p>
+        </p:txBody>
+      </p:sp>
+      <p:sp>
+        <p:nvSpPr>
+          <p:cNvPr id="5" name="Footer Placeholder 4">
+            <a:extLst>
+              <a:ext uri="{FF2B5EF4-FFF2-40B4-BE49-F238E27FC236}">
+                <a16:creationId xmlns:a16="http://schemas.microsoft.com/office/drawing/2014/main" id="{AF562D5E-5B77-4CD2-BD49-F158A7C73461}"/>
+              </a:ext>
+            </a:extLst>
+          </p:cNvPr>
+          <p:cNvSpPr>
+            <a:spLocks noGrp="1"/>
+          </p:cNvSpPr>
+          <p:nvPr>
+            <p:ph type="ftr" sz="quarter" idx="12"/>
+          </p:nvPr>
+        </p:nvSpPr>
+        <p:spPr/>
+        <p:txBody>
+          <a:bodyPr/>
+          <a:lstStyle/>
+          <a:p>
+            <a:endParaRPr lang="nl-BE" dirty="0"/>
+          </a:p>
+        </p:txBody>
+      </p:sp>
+      <p:sp>
+        <p:nvSpPr>
+          <p:cNvPr id="4" name="Slide Number Placeholder 3">
+            <a:extLst>
+              <a:ext uri="{FF2B5EF4-FFF2-40B4-BE49-F238E27FC236}">
+                <a16:creationId xmlns:a16="http://schemas.microsoft.com/office/drawing/2014/main" id="{19707C7D-88A8-4D46-BBCD-D14CD87AD5D2}"/>
+              </a:ext>
+            </a:extLst>
+          </p:cNvPr>
+          <p:cNvSpPr>
+            <a:spLocks noGrp="1"/>
+          </p:cNvSpPr>
+          <p:nvPr>
+            <p:ph type="sldNum" sz="quarter" idx="11"/>
+          </p:nvPr>
+        </p:nvSpPr>
+        <p:spPr/>
+        <p:txBody>
+          <a:bodyPr/>
+          <a:lstStyle/>
+          <a:p>
+            <a:fld id="{3B80295F-48CD-49FC-897A-CCEC919B8070}" type="slidenum">
+              <a:rPr lang="nl-BE" smtClean="0"/>
+              <a:pPr/>
+              <a:t>10</a:t>
+            </a:fld>
+            <a:endParaRPr lang="nl-BE" dirty="0"/>
+          </a:p>
+        </p:txBody>
+      </p:sp>
+    </p:spTree>
+    <p:extLst>
+      <p:ext uri="{BB962C8B-B14F-4D97-AF65-F5344CB8AC3E}">
+        <p14:creationId xmlns:p14="http://schemas.microsoft.com/office/powerpoint/2010/main" val="3910226121"/>
+      </p:ext>
+    </p:extLst>
+  </p:cSld>
+  <p:clrMapOvr>
+    <a:masterClrMapping/>
+  </p:clrMapOvr>
+</p:sld>
+</file>
+
 <file path=ppt/slides/slide2.xml><?xml version="1.0" encoding="utf-8"?>
+<p:sld xmlns:a="http://schemas.openxmlformats.org/drawingml/2006/main" xmlns:r="http://schemas.openxmlformats.org/officeDocument/2006/relationships" xmlns:p="http://schemas.openxmlformats.org/presentationml/2006/main">
+  <p:cSld>
+    <p:spTree>
+      <p:nvGrpSpPr>
+        <p:cNvPr id="1" name=""/>
+        <p:cNvGrpSpPr/>
+        <p:nvPr/>
+      </p:nvGrpSpPr>
+      <p:grpSpPr>
+        <a:xfrm>
+          <a:off x="0" y="0"/>
+          <a:ext cx="0" cy="0"/>
+          <a:chOff x="0" y="0"/>
+          <a:chExt cx="0" cy="0"/>
+        </a:xfrm>
+      </p:grpSpPr>
+      <p:sp>
+        <p:nvSpPr>
+          <p:cNvPr id="2" name="Content Placeholder 1">
+            <a:extLst>
+              <a:ext uri="{FF2B5EF4-FFF2-40B4-BE49-F238E27FC236}">
+                <a16:creationId xmlns:a16="http://schemas.microsoft.com/office/drawing/2014/main" id="{883AA01E-47BA-445B-836B-67D74F67385B}"/>
+              </a:ext>
+            </a:extLst>
+          </p:cNvPr>
+          <p:cNvSpPr>
+            <a:spLocks noGrp="1"/>
+          </p:cNvSpPr>
+          <p:nvPr>
+            <p:ph idx="1"/>
+          </p:nvPr>
+        </p:nvSpPr>
+        <p:spPr/>
+        <p:txBody>
+          <a:bodyPr/>
+          <a:lstStyle/>
+          <a:p>
+            <a:r>
+              <a:rPr lang="en-150" dirty="0"/>
+              <a:t>Voltage limit</a:t>
+            </a:r>
+          </a:p>
+          <a:p>
+            <a:r>
+              <a:rPr lang="en-150" dirty="0"/>
+              <a:t>Under voltage dropout</a:t>
+            </a:r>
+          </a:p>
+          <a:p>
+            <a:r>
+              <a:rPr lang="en-150" dirty="0"/>
+              <a:t>Current limit</a:t>
+            </a:r>
+          </a:p>
+          <a:p>
+            <a:r>
+              <a:rPr lang="en-150" dirty="0"/>
+              <a:t>Reverse polarization protection</a:t>
+            </a:r>
+          </a:p>
+          <a:p>
+            <a:r>
+              <a:rPr lang="en-150" dirty="0"/>
+              <a:t>Soft start</a:t>
+            </a:r>
+          </a:p>
+          <a:p>
+            <a:r>
+              <a:rPr lang="en-150" dirty="0"/>
+              <a:t>ON/OFF switching</a:t>
+            </a:r>
+          </a:p>
+          <a:p>
+            <a:r>
+              <a:rPr lang="en-150" dirty="0"/>
+              <a:t>Current monitoring</a:t>
+            </a:r>
+          </a:p>
+        </p:txBody>
+      </p:sp>
+      <p:sp>
+        <p:nvSpPr>
+          <p:cNvPr id="3" name="Title 2">
+            <a:extLst>
+              <a:ext uri="{FF2B5EF4-FFF2-40B4-BE49-F238E27FC236}">
+                <a16:creationId xmlns:a16="http://schemas.microsoft.com/office/drawing/2014/main" id="{A671141B-29DB-4BD7-93C7-AA18321D3576}"/>
+              </a:ext>
+            </a:extLst>
+          </p:cNvPr>
+          <p:cNvSpPr>
+            <a:spLocks noGrp="1"/>
+          </p:cNvSpPr>
+          <p:nvPr>
+            <p:ph type="title"/>
+          </p:nvPr>
+        </p:nvSpPr>
+        <p:spPr/>
+        <p:txBody>
+          <a:bodyPr/>
+          <a:lstStyle/>
+          <a:p>
+            <a:r>
+              <a:rPr lang="nl-BE" dirty="0"/>
+              <a:t>Wat is een </a:t>
+            </a:r>
+            <a:r>
+              <a:rPr lang="nl-BE" dirty="0" err="1"/>
+              <a:t>efuse</a:t>
+            </a:r>
+            <a:endParaRPr lang="nl-BE" dirty="0"/>
+          </a:p>
+        </p:txBody>
+      </p:sp>
+      <p:sp>
+        <p:nvSpPr>
+          <p:cNvPr id="4" name="Slide Number Placeholder 3">
+            <a:extLst>
+              <a:ext uri="{FF2B5EF4-FFF2-40B4-BE49-F238E27FC236}">
+                <a16:creationId xmlns:a16="http://schemas.microsoft.com/office/drawing/2014/main" id="{B38B5645-9201-4620-8833-49AE370B1ADF}"/>
+              </a:ext>
+            </a:extLst>
+          </p:cNvPr>
+          <p:cNvSpPr>
+            <a:spLocks noGrp="1"/>
+          </p:cNvSpPr>
+          <p:nvPr>
+            <p:ph type="sldNum" sz="quarter" idx="11"/>
+          </p:nvPr>
+        </p:nvSpPr>
+        <p:spPr/>
+        <p:txBody>
+          <a:bodyPr/>
+          <a:lstStyle/>
+          <a:p>
+            <a:fld id="{3B80295F-48CD-49FC-897A-CCEC919B8070}" type="slidenum">
+              <a:rPr lang="nl-BE" smtClean="0"/>
+              <a:pPr/>
+              <a:t>2</a:t>
+            </a:fld>
+            <a:endParaRPr lang="nl-BE" dirty="0"/>
+          </a:p>
+        </p:txBody>
+      </p:sp>
+      <p:sp>
+        <p:nvSpPr>
+          <p:cNvPr id="5" name="Footer Placeholder 4">
+            <a:extLst>
+              <a:ext uri="{FF2B5EF4-FFF2-40B4-BE49-F238E27FC236}">
+                <a16:creationId xmlns:a16="http://schemas.microsoft.com/office/drawing/2014/main" id="{9EDBA460-441E-4724-8225-A7D24192CB25}"/>
+              </a:ext>
+            </a:extLst>
+          </p:cNvPr>
+          <p:cNvSpPr>
+            <a:spLocks noGrp="1"/>
+          </p:cNvSpPr>
+          <p:nvPr>
+            <p:ph type="ftr" sz="quarter" idx="12"/>
+          </p:nvPr>
+        </p:nvSpPr>
+        <p:spPr/>
+        <p:txBody>
+          <a:bodyPr/>
+          <a:lstStyle/>
+          <a:p>
+            <a:endParaRPr lang="nl-BE" dirty="0"/>
+          </a:p>
+        </p:txBody>
+      </p:sp>
+    </p:spTree>
+    <p:extLst>
+      <p:ext uri="{BB962C8B-B14F-4D97-AF65-F5344CB8AC3E}">
+        <p14:creationId xmlns:p14="http://schemas.microsoft.com/office/powerpoint/2010/main" val="519126258"/>
+      </p:ext>
+    </p:extLst>
+  </p:cSld>
+  <p:clrMapOvr>
+    <a:masterClrMapping/>
+  </p:clrMapOvr>
+</p:sld>
+</file>
+
+<file path=ppt/slides/slide3.xml><?xml version="1.0" encoding="utf-8"?>
 <p:sld xmlns:a="http://schemas.openxmlformats.org/drawingml/2006/main" xmlns:r="http://schemas.openxmlformats.org/officeDocument/2006/relationships" xmlns:p="http://schemas.openxmlformats.org/presentationml/2006/main">
   <p:cSld>
     <p:spTree>
@@ -3490,7 +3816,7 @@
                   <a:spcPts val="600"/>
                 </a:spcAft>
               </a:pPr>
-              <a:t>2</a:t>
+              <a:t>3</a:t>
             </a:fld>
             <a:endParaRPr lang="nl-BE"/>
           </a:p>
@@ -3534,7 +3860,7 @@
 </p:sld>
 </file>
 
-<file path=ppt/slides/slide3.xml><?xml version="1.0" encoding="utf-8"?>
+<file path=ppt/slides/slide4.xml><?xml version="1.0" encoding="utf-8"?>
 <p:sld xmlns:a="http://schemas.openxmlformats.org/drawingml/2006/main" xmlns:r="http://schemas.openxmlformats.org/officeDocument/2006/relationships" xmlns:p="http://schemas.openxmlformats.org/presentationml/2006/main">
   <p:cSld>
     <p:spTree>
@@ -3553,6 +3879,212 @@
       </p:grpSpPr>
       <p:sp>
         <p:nvSpPr>
+          <p:cNvPr id="2" name="Content Placeholder 1">
+            <a:extLst>
+              <a:ext uri="{FF2B5EF4-FFF2-40B4-BE49-F238E27FC236}">
+                <a16:creationId xmlns:a16="http://schemas.microsoft.com/office/drawing/2014/main" id="{DF76F0C6-3285-4A00-938C-A40E98DE9B89}"/>
+              </a:ext>
+            </a:extLst>
+          </p:cNvPr>
+          <p:cNvSpPr>
+            <a:spLocks noGrp="1"/>
+          </p:cNvSpPr>
+          <p:nvPr>
+            <p:ph idx="1"/>
+          </p:nvPr>
+        </p:nvSpPr>
+        <p:spPr/>
+        <p:txBody>
+          <a:bodyPr/>
+          <a:lstStyle/>
+          <a:p>
+            <a:endParaRPr lang="nl-BE"/>
+          </a:p>
+        </p:txBody>
+      </p:sp>
+      <p:sp>
+        <p:nvSpPr>
+          <p:cNvPr id="3" name="Title 2">
+            <a:extLst>
+              <a:ext uri="{FF2B5EF4-FFF2-40B4-BE49-F238E27FC236}">
+                <a16:creationId xmlns:a16="http://schemas.microsoft.com/office/drawing/2014/main" id="{20C8D9DF-1F2F-4806-BE3B-10F6ED43F261}"/>
+              </a:ext>
+            </a:extLst>
+          </p:cNvPr>
+          <p:cNvSpPr>
+            <a:spLocks noGrp="1"/>
+          </p:cNvSpPr>
+          <p:nvPr>
+            <p:ph type="title"/>
+          </p:nvPr>
+        </p:nvSpPr>
+        <p:spPr/>
+        <p:txBody>
+          <a:bodyPr/>
+          <a:lstStyle/>
+          <a:p>
+            <a:r>
+              <a:rPr lang="nl-BE" dirty="0"/>
+              <a:t>Planning </a:t>
+            </a:r>
+          </a:p>
+        </p:txBody>
+      </p:sp>
+      <p:sp>
+        <p:nvSpPr>
+          <p:cNvPr id="4" name="Slide Number Placeholder 3">
+            <a:extLst>
+              <a:ext uri="{FF2B5EF4-FFF2-40B4-BE49-F238E27FC236}">
+                <a16:creationId xmlns:a16="http://schemas.microsoft.com/office/drawing/2014/main" id="{F65C5763-282A-4962-A369-A23C19E38D8F}"/>
+              </a:ext>
+            </a:extLst>
+          </p:cNvPr>
+          <p:cNvSpPr>
+            <a:spLocks noGrp="1"/>
+          </p:cNvSpPr>
+          <p:nvPr>
+            <p:ph type="sldNum" sz="quarter" idx="11"/>
+          </p:nvPr>
+        </p:nvSpPr>
+        <p:spPr/>
+        <p:txBody>
+          <a:bodyPr/>
+          <a:lstStyle/>
+          <a:p>
+            <a:fld id="{3B80295F-48CD-49FC-897A-CCEC919B8070}" type="slidenum">
+              <a:rPr lang="nl-BE" smtClean="0"/>
+              <a:pPr/>
+              <a:t>4</a:t>
+            </a:fld>
+            <a:endParaRPr lang="nl-BE" dirty="0"/>
+          </a:p>
+        </p:txBody>
+      </p:sp>
+      <p:sp>
+        <p:nvSpPr>
+          <p:cNvPr id="5" name="Footer Placeholder 4">
+            <a:extLst>
+              <a:ext uri="{FF2B5EF4-FFF2-40B4-BE49-F238E27FC236}">
+                <a16:creationId xmlns:a16="http://schemas.microsoft.com/office/drawing/2014/main" id="{800190CC-2D86-4690-B266-249D0EA1C6FE}"/>
+              </a:ext>
+            </a:extLst>
+          </p:cNvPr>
+          <p:cNvSpPr>
+            <a:spLocks noGrp="1"/>
+          </p:cNvSpPr>
+          <p:nvPr>
+            <p:ph type="ftr" sz="quarter" idx="12"/>
+          </p:nvPr>
+        </p:nvSpPr>
+        <p:spPr/>
+        <p:txBody>
+          <a:bodyPr/>
+          <a:lstStyle/>
+          <a:p>
+            <a:endParaRPr lang="nl-BE" dirty="0"/>
+          </a:p>
+        </p:txBody>
+      </p:sp>
+      <p:pic>
+        <p:nvPicPr>
+          <p:cNvPr id="8" name="Picture 7">
+            <a:extLst>
+              <a:ext uri="{FF2B5EF4-FFF2-40B4-BE49-F238E27FC236}">
+                <a16:creationId xmlns:a16="http://schemas.microsoft.com/office/drawing/2014/main" id="{B6148B15-ECAA-446B-9429-F9036E088353}"/>
+              </a:ext>
+            </a:extLst>
+          </p:cNvPr>
+          <p:cNvPicPr>
+            <a:picLocks noChangeAspect="1"/>
+          </p:cNvPicPr>
+          <p:nvPr/>
+        </p:nvPicPr>
+        <p:blipFill>
+          <a:blip r:embed="rId2"/>
+          <a:stretch>
+            <a:fillRect/>
+          </a:stretch>
+        </p:blipFill>
+        <p:spPr>
+          <a:xfrm>
+            <a:off x="0" y="889874"/>
+            <a:ext cx="12192000" cy="5078251"/>
+          </a:xfrm>
+          <a:prstGeom prst="rect">
+            <a:avLst/>
+          </a:prstGeom>
+        </p:spPr>
+      </p:pic>
+      <p:cxnSp>
+        <p:nvCxnSpPr>
+          <p:cNvPr id="10" name="Straight Connector 9">
+            <a:extLst>
+              <a:ext uri="{FF2B5EF4-FFF2-40B4-BE49-F238E27FC236}">
+                <a16:creationId xmlns:a16="http://schemas.microsoft.com/office/drawing/2014/main" id="{D58CD223-20AC-4550-A853-790A5700CEF3}"/>
+              </a:ext>
+            </a:extLst>
+          </p:cNvPr>
+          <p:cNvCxnSpPr>
+            <a:cxnSpLocks/>
+          </p:cNvCxnSpPr>
+          <p:nvPr/>
+        </p:nvCxnSpPr>
+        <p:spPr>
+          <a:xfrm>
+            <a:off x="7680176" y="980728"/>
+            <a:ext cx="0" cy="4987397"/>
+          </a:xfrm>
+          <a:prstGeom prst="line">
+            <a:avLst/>
+          </a:prstGeom>
+        </p:spPr>
+        <p:style>
+          <a:lnRef idx="1">
+            <a:schemeClr val="dk1"/>
+          </a:lnRef>
+          <a:fillRef idx="0">
+            <a:schemeClr val="dk1"/>
+          </a:fillRef>
+          <a:effectRef idx="0">
+            <a:schemeClr val="dk1"/>
+          </a:effectRef>
+          <a:fontRef idx="minor">
+            <a:schemeClr val="tx1"/>
+          </a:fontRef>
+        </p:style>
+      </p:cxnSp>
+    </p:spTree>
+    <p:extLst>
+      <p:ext uri="{BB962C8B-B14F-4D97-AF65-F5344CB8AC3E}">
+        <p14:creationId xmlns:p14="http://schemas.microsoft.com/office/powerpoint/2010/main" val="3032604786"/>
+      </p:ext>
+    </p:extLst>
+  </p:cSld>
+  <p:clrMapOvr>
+    <a:masterClrMapping/>
+  </p:clrMapOvr>
+</p:sld>
+</file>
+
+<file path=ppt/slides/slide5.xml><?xml version="1.0" encoding="utf-8"?>
+<p:sld xmlns:a="http://schemas.openxmlformats.org/drawingml/2006/main" xmlns:r="http://schemas.openxmlformats.org/officeDocument/2006/relationships" xmlns:p="http://schemas.openxmlformats.org/presentationml/2006/main">
+  <p:cSld>
+    <p:spTree>
+      <p:nvGrpSpPr>
+        <p:cNvPr id="1" name=""/>
+        <p:cNvGrpSpPr/>
+        <p:nvPr/>
+      </p:nvGrpSpPr>
+      <p:grpSpPr>
+        <a:xfrm>
+          <a:off x="0" y="0"/>
+          <a:ext cx="0" cy="0"/>
+          <a:chOff x="0" y="0"/>
+          <a:chExt cx="0" cy="0"/>
+        </a:xfrm>
+      </p:grpSpPr>
+      <p:sp>
+        <p:nvSpPr>
           <p:cNvPr id="8" name="Content Placeholder 7">
             <a:extLst>
               <a:ext uri="{FF2B5EF4-FFF2-40B4-BE49-F238E27FC236}">
@@ -3665,7 +4197,7 @@
             <a:fld id="{3B80295F-48CD-49FC-897A-CCEC919B8070}" type="slidenum">
               <a:rPr lang="nl-BE" smtClean="0"/>
               <a:pPr/>
-              <a:t>3</a:t>
+              <a:t>5</a:t>
             </a:fld>
             <a:endParaRPr lang="nl-BE" dirty="0"/>
           </a:p>
@@ -3739,7 +4271,7 @@
 </p:sld>
 </file>
 
-<file path=ppt/slides/slide4.xml><?xml version="1.0" encoding="utf-8"?>
+<file path=ppt/slides/slide6.xml><?xml version="1.0" encoding="utf-8"?>
 <p:sld xmlns:a="http://schemas.openxmlformats.org/drawingml/2006/main" xmlns:r="http://schemas.openxmlformats.org/officeDocument/2006/relationships" xmlns:p="http://schemas.openxmlformats.org/presentationml/2006/main">
   <p:cSld>
     <p:spTree>
@@ -3876,7 +4408,7 @@
             <a:fld id="{3B80295F-48CD-49FC-897A-CCEC919B8070}" type="slidenum">
               <a:rPr lang="nl-BE" smtClean="0"/>
               <a:pPr/>
-              <a:t>4</a:t>
+              <a:t>6</a:t>
             </a:fld>
             <a:endParaRPr lang="nl-BE" dirty="0"/>
           </a:p>
@@ -3950,7 +4482,7 @@
 </p:sld>
 </file>
 
-<file path=ppt/slides/slide5.xml><?xml version="1.0" encoding="utf-8"?>
+<file path=ppt/slides/slide7.xml><?xml version="1.0" encoding="utf-8"?>
 <p:sld xmlns:a="http://schemas.openxmlformats.org/drawingml/2006/main" xmlns:r="http://schemas.openxmlformats.org/officeDocument/2006/relationships" xmlns:p="http://schemas.openxmlformats.org/presentationml/2006/main">
   <p:cSld>
     <p:spTree>
@@ -4079,7 +4611,7 @@
             <a:fld id="{3B80295F-48CD-49FC-897A-CCEC919B8070}" type="slidenum">
               <a:rPr lang="nl-BE" smtClean="0"/>
               <a:pPr/>
-              <a:t>5</a:t>
+              <a:t>7</a:t>
             </a:fld>
             <a:endParaRPr lang="nl-BE" dirty="0"/>
           </a:p>
@@ -4153,7 +4685,7 @@
 </p:sld>
 </file>
 
-<file path=ppt/slides/slide6.xml><?xml version="1.0" encoding="utf-8"?>
+<file path=ppt/slides/slide8.xml><?xml version="1.0" encoding="utf-8"?>
 <p:sld xmlns:a="http://schemas.openxmlformats.org/drawingml/2006/main" xmlns:r="http://schemas.openxmlformats.org/officeDocument/2006/relationships" xmlns:p="http://schemas.openxmlformats.org/presentationml/2006/main">
   <p:cSld>
     <p:spTree>
@@ -4197,38 +4729,42 @@
           <a:lstStyle/>
           <a:p>
             <a:r>
-              <a:rPr lang="nl-BE" dirty="0" err="1"/>
+              <a:rPr lang="en-150" dirty="0" err="1"/>
               <a:t>Oled</a:t>
             </a:r>
             <a:r>
+              <a:rPr lang="en-150" dirty="0"/>
+              <a:t> display</a:t>
+            </a:r>
+          </a:p>
+          <a:p>
+            <a:r>
+              <a:rPr lang="en-150" dirty="0"/>
+              <a:t>joystick of rotary encoder</a:t>
+            </a:r>
+          </a:p>
+          <a:p>
+            <a:r>
+              <a:rPr lang="en-150" dirty="0"/>
+              <a:t>U</a:t>
+            </a:r>
+            <a:r>
               <a:rPr lang="nl-BE" dirty="0"/>
-              <a:t> display</a:t>
-            </a:r>
-          </a:p>
-          <a:p>
+              <a:t>SB</a:t>
+            </a:r>
+            <a:r>
+              <a:rPr lang="en-150" dirty="0"/>
+              <a:t> </a:t>
+            </a:r>
             <a:r>
               <a:rPr lang="nl-BE" dirty="0"/>
-              <a:t>joystick of </a:t>
-            </a:r>
-            <a:r>
-              <a:rPr lang="nl-BE" dirty="0" err="1"/>
-              <a:t>rotary</a:t>
-            </a:r>
-            <a:r>
-              <a:rPr lang="nl-BE" dirty="0"/>
-              <a:t> encoder</a:t>
-            </a:r>
-          </a:p>
-          <a:p>
-            <a:r>
-              <a:rPr lang="nl-BE" dirty="0"/>
-              <a:t>Usb </a:t>
-            </a:r>
-            <a:r>
-              <a:rPr lang="nl-BE" dirty="0" err="1"/>
-              <a:t>modbus</a:t>
-            </a:r>
-            <a:endParaRPr lang="nl-BE" dirty="0"/>
+              <a:t>M</a:t>
+            </a:r>
+            <a:r>
+              <a:rPr lang="en-150" dirty="0" err="1"/>
+              <a:t>odbus</a:t>
+            </a:r>
+            <a:endParaRPr lang="en-150" dirty="0"/>
           </a:p>
         </p:txBody>
       </p:sp>
@@ -4284,7 +4820,7 @@
             <a:fld id="{3B80295F-48CD-49FC-897A-CCEC919B8070}" type="slidenum">
               <a:rPr lang="nl-BE" smtClean="0"/>
               <a:pPr/>
-              <a:t>6</a:t>
+              <a:t>8</a:t>
             </a:fld>
             <a:endParaRPr lang="nl-BE" dirty="0"/>
           </a:p>
@@ -4418,7 +4954,7 @@
 </p:sld>
 </file>
 
-<file path=ppt/slides/slide7.xml><?xml version="1.0" encoding="utf-8"?>
+<file path=ppt/slides/slide9.xml><?xml version="1.0" encoding="utf-8"?>
 <p:sld xmlns:a="http://schemas.openxmlformats.org/drawingml/2006/main" xmlns:r="http://schemas.openxmlformats.org/officeDocument/2006/relationships" xmlns:p="http://schemas.openxmlformats.org/presentationml/2006/main">
   <p:cSld>
     <p:spTree>
@@ -4435,21 +4971,102 @@
           <a:chExt cx="0" cy="0"/>
         </a:xfrm>
       </p:grpSpPr>
+      <p:sp>
+        <p:nvSpPr>
+          <p:cNvPr id="3" name="Title 2">
+            <a:extLst>
+              <a:ext uri="{FF2B5EF4-FFF2-40B4-BE49-F238E27FC236}">
+                <a16:creationId xmlns:a16="http://schemas.microsoft.com/office/drawing/2014/main" id="{71840CFE-FE06-49F3-AED8-4600ED6C144E}"/>
+              </a:ext>
+            </a:extLst>
+          </p:cNvPr>
+          <p:cNvSpPr>
+            <a:spLocks noGrp="1"/>
+          </p:cNvSpPr>
+          <p:nvPr>
+            <p:ph type="title"/>
+          </p:nvPr>
+        </p:nvSpPr>
+        <p:spPr/>
+        <p:txBody>
+          <a:bodyPr/>
+          <a:lstStyle/>
+          <a:p>
+            <a:r>
+              <a:rPr lang="nl-BE" dirty="0"/>
+              <a:t>Prototype pcb</a:t>
+            </a:r>
+          </a:p>
+        </p:txBody>
+      </p:sp>
+      <p:sp>
+        <p:nvSpPr>
+          <p:cNvPr id="4" name="Slide Number Placeholder 3">
+            <a:extLst>
+              <a:ext uri="{FF2B5EF4-FFF2-40B4-BE49-F238E27FC236}">
+                <a16:creationId xmlns:a16="http://schemas.microsoft.com/office/drawing/2014/main" id="{76EC70E3-CAD0-4414-8A05-CA7010ABA6A7}"/>
+              </a:ext>
+            </a:extLst>
+          </p:cNvPr>
+          <p:cNvSpPr>
+            <a:spLocks noGrp="1"/>
+          </p:cNvSpPr>
+          <p:nvPr>
+            <p:ph type="sldNum" sz="quarter" idx="11"/>
+          </p:nvPr>
+        </p:nvSpPr>
+        <p:spPr/>
+        <p:txBody>
+          <a:bodyPr/>
+          <a:lstStyle/>
+          <a:p>
+            <a:fld id="{3B80295F-48CD-49FC-897A-CCEC919B8070}" type="slidenum">
+              <a:rPr lang="nl-BE" smtClean="0"/>
+              <a:pPr/>
+              <a:t>9</a:t>
+            </a:fld>
+            <a:endParaRPr lang="nl-BE" dirty="0"/>
+          </a:p>
+        </p:txBody>
+      </p:sp>
+      <p:sp>
+        <p:nvSpPr>
+          <p:cNvPr id="5" name="Footer Placeholder 4">
+            <a:extLst>
+              <a:ext uri="{FF2B5EF4-FFF2-40B4-BE49-F238E27FC236}">
+                <a16:creationId xmlns:a16="http://schemas.microsoft.com/office/drawing/2014/main" id="{03A6932C-0B8E-4F45-9449-5513A89DFA3D}"/>
+              </a:ext>
+            </a:extLst>
+          </p:cNvPr>
+          <p:cNvSpPr>
+            <a:spLocks noGrp="1"/>
+          </p:cNvSpPr>
+          <p:nvPr>
+            <p:ph type="ftr" sz="quarter" idx="12"/>
+          </p:nvPr>
+        </p:nvSpPr>
+        <p:spPr/>
+        <p:txBody>
+          <a:bodyPr/>
+          <a:lstStyle/>
+          <a:p>
+            <a:endParaRPr lang="nl-BE" dirty="0"/>
+          </a:p>
+        </p:txBody>
+      </p:sp>
       <p:pic>
         <p:nvPicPr>
-          <p:cNvPr id="11" name="Content Placeholder 10" descr="A screenshot of a computer&#10;&#10;Description automatically generated with medium confidence">
+          <p:cNvPr id="14" name="Picture 13" descr="A screenshot of a computer&#10;&#10;Description automatically generated with medium confidence">
             <a:extLst>
               <a:ext uri="{FF2B5EF4-FFF2-40B4-BE49-F238E27FC236}">
-                <a16:creationId xmlns:a16="http://schemas.microsoft.com/office/drawing/2014/main" id="{12F58C33-45DA-457E-8316-2F1BE71BD6E5}"/>
+                <a16:creationId xmlns:a16="http://schemas.microsoft.com/office/drawing/2014/main" id="{E5D60D6E-F9D3-4687-9D38-DF743C780B3E}"/>
               </a:ext>
             </a:extLst>
           </p:cNvPr>
           <p:cNvPicPr>
-            <a:picLocks noGrp="1" noChangeAspect="1"/>
+            <a:picLocks noChangeAspect="1"/>
           </p:cNvPicPr>
-          <p:nvPr>
-            <p:ph idx="1"/>
-          </p:nvPr>
+          <p:nvPr/>
         </p:nvPicPr>
         <p:blipFill>
           <a:blip r:embed="rId2">
@@ -4465,100 +5082,20 @@
         </p:blipFill>
         <p:spPr>
           <a:xfrm>
-            <a:off x="107143" y="1253504"/>
-            <a:ext cx="5988857" cy="3759671"/>
+            <a:off x="114357" y="1253503"/>
+            <a:ext cx="5988856" cy="3759671"/>
           </a:xfrm>
+          <a:prstGeom prst="rect">
+            <a:avLst/>
+          </a:prstGeom>
         </p:spPr>
       </p:pic>
-      <p:sp>
-        <p:nvSpPr>
-          <p:cNvPr id="3" name="Title 2">
+      <p:pic>
+        <p:nvPicPr>
+          <p:cNvPr id="16" name="Picture 15" descr="A screenshot of a computer&#10;&#10;Description automatically generated with low confidence">
             <a:extLst>
               <a:ext uri="{FF2B5EF4-FFF2-40B4-BE49-F238E27FC236}">
-                <a16:creationId xmlns:a16="http://schemas.microsoft.com/office/drawing/2014/main" id="{71840CFE-FE06-49F3-AED8-4600ED6C144E}"/>
-              </a:ext>
-            </a:extLst>
-          </p:cNvPr>
-          <p:cNvSpPr>
-            <a:spLocks noGrp="1"/>
-          </p:cNvSpPr>
-          <p:nvPr>
-            <p:ph type="title"/>
-          </p:nvPr>
-        </p:nvSpPr>
-        <p:spPr/>
-        <p:txBody>
-          <a:bodyPr/>
-          <a:lstStyle/>
-          <a:p>
-            <a:r>
-              <a:rPr lang="nl-BE" dirty="0"/>
-              <a:t>Prototype pcb</a:t>
-            </a:r>
-          </a:p>
-        </p:txBody>
-      </p:sp>
-      <p:sp>
-        <p:nvSpPr>
-          <p:cNvPr id="4" name="Slide Number Placeholder 3">
-            <a:extLst>
-              <a:ext uri="{FF2B5EF4-FFF2-40B4-BE49-F238E27FC236}">
-                <a16:creationId xmlns:a16="http://schemas.microsoft.com/office/drawing/2014/main" id="{76EC70E3-CAD0-4414-8A05-CA7010ABA6A7}"/>
-              </a:ext>
-            </a:extLst>
-          </p:cNvPr>
-          <p:cNvSpPr>
-            <a:spLocks noGrp="1"/>
-          </p:cNvSpPr>
-          <p:nvPr>
-            <p:ph type="sldNum" sz="quarter" idx="11"/>
-          </p:nvPr>
-        </p:nvSpPr>
-        <p:spPr/>
-        <p:txBody>
-          <a:bodyPr/>
-          <a:lstStyle/>
-          <a:p>
-            <a:fld id="{3B80295F-48CD-49FC-897A-CCEC919B8070}" type="slidenum">
-              <a:rPr lang="nl-BE" smtClean="0"/>
-              <a:pPr/>
-              <a:t>7</a:t>
-            </a:fld>
-            <a:endParaRPr lang="nl-BE" dirty="0"/>
-          </a:p>
-        </p:txBody>
-      </p:sp>
-      <p:sp>
-        <p:nvSpPr>
-          <p:cNvPr id="5" name="Footer Placeholder 4">
-            <a:extLst>
-              <a:ext uri="{FF2B5EF4-FFF2-40B4-BE49-F238E27FC236}">
-                <a16:creationId xmlns:a16="http://schemas.microsoft.com/office/drawing/2014/main" id="{03A6932C-0B8E-4F45-9449-5513A89DFA3D}"/>
-              </a:ext>
-            </a:extLst>
-          </p:cNvPr>
-          <p:cNvSpPr>
-            <a:spLocks noGrp="1"/>
-          </p:cNvSpPr>
-          <p:nvPr>
-            <p:ph type="ftr" sz="quarter" idx="12"/>
-          </p:nvPr>
-        </p:nvSpPr>
-        <p:spPr/>
-        <p:txBody>
-          <a:bodyPr/>
-          <a:lstStyle/>
-          <a:p>
-            <a:endParaRPr lang="nl-BE" dirty="0"/>
-          </a:p>
-        </p:txBody>
-      </p:sp>
-      <p:pic>
-        <p:nvPicPr>
-          <p:cNvPr id="13" name="Picture 12" descr="A picture containing text, circuit, electronics&#10;&#10;Description automatically generated">
-            <a:extLst>
-              <a:ext uri="{FF2B5EF4-FFF2-40B4-BE49-F238E27FC236}">
-                <a16:creationId xmlns:a16="http://schemas.microsoft.com/office/drawing/2014/main" id="{873936BF-1FA1-4748-A0AC-0033BCD64954}"/>
+                <a16:creationId xmlns:a16="http://schemas.microsoft.com/office/drawing/2014/main" id="{DA28AECE-F25D-4440-A608-2D4A53F91BB6}"/>
               </a:ext>
             </a:extLst>
           </p:cNvPr>
@@ -4581,8 +5118,8 @@
         </p:blipFill>
         <p:spPr>
           <a:xfrm>
-            <a:off x="6102077" y="1253504"/>
-            <a:ext cx="5988857" cy="3759671"/>
+            <a:off x="6089924" y="1253504"/>
+            <a:ext cx="5988856" cy="3759671"/>
           </a:xfrm>
           <a:prstGeom prst="rect">
             <a:avLst/>
@@ -5400,10 +5937,19 @@
 
 <file path=customXml/item1.xml><?xml version="1.0" encoding="utf-8"?>
 <?mso-contentType ?>
+<FormTemplates xmlns="http://schemas.microsoft.com/sharepoint/v3/contenttype/forms">
+  <Display>DocumentLibraryForm</Display>
+  <Edit>DocumentLibraryForm</Edit>
+  <New>DocumentLibraryForm</New>
+</FormTemplates>
+</file>
+
+<file path=customXml/item2.xml><?xml version="1.0" encoding="utf-8"?>
+<?mso-contentType ?>
 <SharedContentType xmlns="Microsoft.SharePoint.Taxonomy.ContentTypeSync" SourceId="49b243c3-5758-488d-a165-3d321439e892" ContentTypeId="0x0101006E2CD5CB49756845926F97DAE5E2F535" PreviousValue="false"/>
 </file>
 
-<file path=customXml/item2.xml><?xml version="1.0" encoding="utf-8"?>
+<file path=customXml/item3.xml><?xml version="1.0" encoding="utf-8"?>
 <ct:contentTypeSchema xmlns:ct="http://schemas.microsoft.com/office/2006/metadata/contentType" xmlns:ma="http://schemas.microsoft.com/office/2006/metadata/properties/metaAttributes" ct:_="" ma:_="" ma:contentTypeName="TM Document" ma:contentTypeID="0x0101006E2CD5CB49756845926F97DAE5E2F535000DCB65DDB7669E45BCF75FB6A30E49C0" ma:contentTypeVersion="8" ma:contentTypeDescription="" ma:contentTypeScope="" ma:versionID="83bbbb7fdd22f8a3739ad7eca2ef86b3">
   <xsd:schema xmlns:xsd="http://www.w3.org/2001/XMLSchema" xmlns:xs="http://www.w3.org/2001/XMLSchema" xmlns:p="http://schemas.microsoft.com/office/2006/metadata/properties" xmlns:ns2="3f990481-ab93-40a5-af1d-fa0a4386ebd9" targetNamespace="http://schemas.microsoft.com/office/2006/metadata/properties" ma:root="true" ma:fieldsID="eacd6abfd4a16e6611d5f16827c24345" ns2:_="">
     <xsd:import namespace="3f990481-ab93-40a5-af1d-fa0a4386ebd9"/>
@@ -5587,7 +6133,7 @@
 </ct:contentTypeSchema>
 </file>
 
-<file path=customXml/item3.xml><?xml version="1.0" encoding="utf-8"?>
+<file path=customXml/item4.xml><?xml version="1.0" encoding="utf-8"?>
 <p:properties xmlns:p="http://schemas.microsoft.com/office/2006/metadata/properties" xmlns:xsi="http://www.w3.org/2001/XMLSchema-instance" xmlns:pc="http://schemas.microsoft.com/office/infopath/2007/PartnerControls">
   <documentManagement>
     <TaxKeywordTaxHTField xmlns="3f990481-ab93-40a5-af1d-fa0a4386ebd9">
@@ -5610,16 +6156,15 @@
 </p:properties>
 </file>
 
-<file path=customXml/item4.xml><?xml version="1.0" encoding="utf-8"?>
-<?mso-contentType ?>
-<FormTemplates xmlns="http://schemas.microsoft.com/sharepoint/v3/contenttype/forms">
-  <Display>DocumentLibraryForm</Display>
-  <Edit>DocumentLibraryForm</Edit>
-  <New>DocumentLibraryForm</New>
-</FormTemplates>
+<file path=customXml/itemProps1.xml><?xml version="1.0" encoding="utf-8"?>
+<ds:datastoreItem xmlns:ds="http://schemas.openxmlformats.org/officeDocument/2006/customXml" ds:itemID="{9C13BCFD-9570-4B4F-BFE3-356B8E06CA24}">
+  <ds:schemaRefs>
+    <ds:schemaRef ds:uri="http://schemas.microsoft.com/sharepoint/v3/contenttype/forms"/>
+  </ds:schemaRefs>
+</ds:datastoreItem>
 </file>
 
-<file path=customXml/itemProps1.xml><?xml version="1.0" encoding="utf-8"?>
+<file path=customXml/itemProps2.xml><?xml version="1.0" encoding="utf-8"?>
 <ds:datastoreItem xmlns:ds="http://schemas.openxmlformats.org/officeDocument/2006/customXml" ds:itemID="{27F9BC90-F127-449E-A415-9E04C76966FA}">
   <ds:schemaRefs>
     <ds:schemaRef ds:uri="Microsoft.SharePoint.Taxonomy.ContentTypeSync"/>
@@ -5627,7 +6172,7 @@
 </ds:datastoreItem>
 </file>
 
-<file path=customXml/itemProps2.xml><?xml version="1.0" encoding="utf-8"?>
+<file path=customXml/itemProps3.xml><?xml version="1.0" encoding="utf-8"?>
 <ds:datastoreItem xmlns:ds="http://schemas.openxmlformats.org/officeDocument/2006/customXml" ds:itemID="{C926A749-CFE7-4FA7-9620-C0C4F7BBD116}">
   <ds:schemaRefs>
     <ds:schemaRef ds:uri="http://schemas.microsoft.com/office/2006/metadata/contentType"/>
@@ -5645,7 +6190,7 @@
 </ds:datastoreItem>
 </file>
 
-<file path=customXml/itemProps3.xml><?xml version="1.0" encoding="utf-8"?>
+<file path=customXml/itemProps4.xml><?xml version="1.0" encoding="utf-8"?>
 <ds:datastoreItem xmlns:ds="http://schemas.openxmlformats.org/officeDocument/2006/customXml" ds:itemID="{84F79AF1-9348-42A5-8BA2-CB56386F0208}">
   <ds:schemaRefs>
     <ds:schemaRef ds:uri="http://schemas.microsoft.com/office/infopath/2007/PartnerControls"/>
@@ -5659,12 +6204,4 @@
     <ds:schemaRef ds:uri="http://www.w3.org/XML/1998/namespace"/>
   </ds:schemaRefs>
 </ds:datastoreItem>
-</file>
-
-<file path=customXml/itemProps4.xml><?xml version="1.0" encoding="utf-8"?>
-<ds:datastoreItem xmlns:ds="http://schemas.openxmlformats.org/officeDocument/2006/customXml" ds:itemID="{9C13BCFD-9570-4B4F-BFE3-356B8E06CA24}">
-  <ds:schemaRefs>
-    <ds:schemaRef ds:uri="http://schemas.microsoft.com/sharepoint/v3/contenttype/forms"/>
-  </ds:schemaRefs>
-</ds:datastoreItem>
 </file>
--- a/tusentijdse presentatie.pptx
+++ b/tusentijdse presentatie.pptx
@@ -235,7 +235,7 @@
             <a:fld id="{7F1A4A96-82D9-489B-915B-218BDB102403}" type="datetimeFigureOut">
               <a:rPr lang="nl-BE" smtClean="0"/>
               <a:pPr/>
-              <a:t>29/03/2021</a:t>
+              <a:t>30/03/2021</a:t>
             </a:fld>
             <a:endParaRPr lang="nl-BE"/>
           </a:p>
@@ -402,7 +402,7 @@
             <a:fld id="{D1925427-6E8A-463A-9752-7D22F5CAF14A}" type="datetimeFigureOut">
               <a:rPr lang="nl-BE" smtClean="0"/>
               <a:pPr/>
-              <a:t>29/03/2021</a:t>
+              <a:t>30/03/2021</a:t>
             </a:fld>
             <a:endParaRPr lang="nl-BE"/>
           </a:p>
@@ -4111,7 +4111,15 @@
           <a:p>
             <a:r>
               <a:rPr lang="nl-BE" dirty="0"/>
-              <a:t>Schakelen van spanning bereik.</a:t>
+              <a:t>Instellen van voltage </a:t>
+            </a:r>
+            <a:r>
+              <a:rPr lang="nl-BE" dirty="0" err="1"/>
+              <a:t>limits</a:t>
+            </a:r>
+            <a:r>
+              <a:rPr lang="nl-BE" dirty="0"/>
+              <a:t>.</a:t>
             </a:r>
           </a:p>
           <a:p>
@@ -4325,8 +4333,12 @@
           </a:p>
           <a:p>
             <a:r>
+              <a:rPr lang="nl-BE" dirty="0"/>
+              <a:t>ESD </a:t>
+            </a:r>
+            <a:r>
               <a:rPr lang="en-150" dirty="0"/>
-              <a:t>Transient voltage protection</a:t>
+              <a:t>protection</a:t>
             </a:r>
             <a:r>
               <a:rPr lang="nl-BE" dirty="0"/>
@@ -4763,6 +4775,14 @@
             <a:r>
               <a:rPr lang="en-150" dirty="0" err="1"/>
               <a:t>odbus</a:t>
+            </a:r>
+            <a:r>
+              <a:rPr lang="nl-BE" dirty="0"/>
+              <a:t> -&gt; </a:t>
+            </a:r>
+            <a:r>
+              <a:rPr lang="nl-BE" dirty="0" err="1"/>
+              <a:t>LabView</a:t>
             </a:r>
             <a:endParaRPr lang="en-150" dirty="0"/>
           </a:p>
@@ -5936,20 +5956,6 @@
 </file>
 
 <file path=customXml/item1.xml><?xml version="1.0" encoding="utf-8"?>
-<?mso-contentType ?>
-<FormTemplates xmlns="http://schemas.microsoft.com/sharepoint/v3/contenttype/forms">
-  <Display>DocumentLibraryForm</Display>
-  <Edit>DocumentLibraryForm</Edit>
-  <New>DocumentLibraryForm</New>
-</FormTemplates>
-</file>
-
-<file path=customXml/item2.xml><?xml version="1.0" encoding="utf-8"?>
-<?mso-contentType ?>
-<SharedContentType xmlns="Microsoft.SharePoint.Taxonomy.ContentTypeSync" SourceId="49b243c3-5758-488d-a165-3d321439e892" ContentTypeId="0x0101006E2CD5CB49756845926F97DAE5E2F535" PreviousValue="false"/>
-</file>
-
-<file path=customXml/item3.xml><?xml version="1.0" encoding="utf-8"?>
 <ct:contentTypeSchema xmlns:ct="http://schemas.microsoft.com/office/2006/metadata/contentType" xmlns:ma="http://schemas.microsoft.com/office/2006/metadata/properties/metaAttributes" ct:_="" ma:_="" ma:contentTypeName="TM Document" ma:contentTypeID="0x0101006E2CD5CB49756845926F97DAE5E2F535000DCB65DDB7669E45BCF75FB6A30E49C0" ma:contentTypeVersion="8" ma:contentTypeDescription="" ma:contentTypeScope="" ma:versionID="83bbbb7fdd22f8a3739ad7eca2ef86b3">
   <xsd:schema xmlns:xsd="http://www.w3.org/2001/XMLSchema" xmlns:xs="http://www.w3.org/2001/XMLSchema" xmlns:p="http://schemas.microsoft.com/office/2006/metadata/properties" xmlns:ns2="3f990481-ab93-40a5-af1d-fa0a4386ebd9" targetNamespace="http://schemas.microsoft.com/office/2006/metadata/properties" ma:root="true" ma:fieldsID="eacd6abfd4a16e6611d5f16827c24345" ns2:_="">
     <xsd:import namespace="3f990481-ab93-40a5-af1d-fa0a4386ebd9"/>
@@ -6133,6 +6139,20 @@
 </ct:contentTypeSchema>
 </file>
 
+<file path=customXml/item2.xml><?xml version="1.0" encoding="utf-8"?>
+<?mso-contentType ?>
+<SharedContentType xmlns="Microsoft.SharePoint.Taxonomy.ContentTypeSync" SourceId="49b243c3-5758-488d-a165-3d321439e892" ContentTypeId="0x0101006E2CD5CB49756845926F97DAE5E2F535" PreviousValue="false"/>
+</file>
+
+<file path=customXml/item3.xml><?xml version="1.0" encoding="utf-8"?>
+<?mso-contentType ?>
+<FormTemplates xmlns="http://schemas.microsoft.com/sharepoint/v3/contenttype/forms">
+  <Display>DocumentLibraryForm</Display>
+  <Edit>DocumentLibraryForm</Edit>
+  <New>DocumentLibraryForm</New>
+</FormTemplates>
+</file>
+
 <file path=customXml/item4.xml><?xml version="1.0" encoding="utf-8"?>
 <p:properties xmlns:p="http://schemas.microsoft.com/office/2006/metadata/properties" xmlns:xsi="http://www.w3.org/2001/XMLSchema-instance" xmlns:pc="http://schemas.microsoft.com/office/infopath/2007/PartnerControls">
   <documentManagement>
@@ -6157,9 +6177,19 @@
 </file>
 
 <file path=customXml/itemProps1.xml><?xml version="1.0" encoding="utf-8"?>
-<ds:datastoreItem xmlns:ds="http://schemas.openxmlformats.org/officeDocument/2006/customXml" ds:itemID="{9C13BCFD-9570-4B4F-BFE3-356B8E06CA24}">
+<ds:datastoreItem xmlns:ds="http://schemas.openxmlformats.org/officeDocument/2006/customXml" ds:itemID="{C926A749-CFE7-4FA7-9620-C0C4F7BBD116}">
   <ds:schemaRefs>
-    <ds:schemaRef ds:uri="http://schemas.microsoft.com/sharepoint/v3/contenttype/forms"/>
+    <ds:schemaRef ds:uri="http://schemas.microsoft.com/office/2006/metadata/contentType"/>
+    <ds:schemaRef ds:uri="http://schemas.microsoft.com/office/2006/metadata/properties/metaAttributes"/>
+    <ds:schemaRef ds:uri="http://www.w3.org/2001/XMLSchema"/>
+    <ds:schemaRef ds:uri="http://schemas.microsoft.com/office/2006/metadata/properties"/>
+    <ds:schemaRef ds:uri="3f990481-ab93-40a5-af1d-fa0a4386ebd9"/>
+    <ds:schemaRef ds:uri="http://schemas.microsoft.com/office/2006/documentManagement/types"/>
+    <ds:schemaRef ds:uri="http://schemas.microsoft.com/office/infopath/2007/PartnerControls"/>
+    <ds:schemaRef ds:uri="http://schemas.openxmlformats.org/package/2006/metadata/core-properties"/>
+    <ds:schemaRef ds:uri="http://purl.org/dc/elements/1.1/"/>
+    <ds:schemaRef ds:uri="http://purl.org/dc/terms/"/>
+    <ds:schemaRef ds:uri="http://schemas.microsoft.com/internal/obd"/>
   </ds:schemaRefs>
 </ds:datastoreItem>
 </file>
@@ -6173,19 +6203,9 @@
 </file>
 
 <file path=customXml/itemProps3.xml><?xml version="1.0" encoding="utf-8"?>
-<ds:datastoreItem xmlns:ds="http://schemas.openxmlformats.org/officeDocument/2006/customXml" ds:itemID="{C926A749-CFE7-4FA7-9620-C0C4F7BBD116}">
+<ds:datastoreItem xmlns:ds="http://schemas.openxmlformats.org/officeDocument/2006/customXml" ds:itemID="{9C13BCFD-9570-4B4F-BFE3-356B8E06CA24}">
   <ds:schemaRefs>
-    <ds:schemaRef ds:uri="http://schemas.microsoft.com/office/2006/metadata/contentType"/>
-    <ds:schemaRef ds:uri="http://schemas.microsoft.com/office/2006/metadata/properties/metaAttributes"/>
-    <ds:schemaRef ds:uri="http://www.w3.org/2001/XMLSchema"/>
-    <ds:schemaRef ds:uri="http://schemas.microsoft.com/office/2006/metadata/properties"/>
-    <ds:schemaRef ds:uri="3f990481-ab93-40a5-af1d-fa0a4386ebd9"/>
-    <ds:schemaRef ds:uri="http://schemas.microsoft.com/office/2006/documentManagement/types"/>
-    <ds:schemaRef ds:uri="http://schemas.microsoft.com/office/infopath/2007/PartnerControls"/>
-    <ds:schemaRef ds:uri="http://schemas.openxmlformats.org/package/2006/metadata/core-properties"/>
-    <ds:schemaRef ds:uri="http://purl.org/dc/elements/1.1/"/>
-    <ds:schemaRef ds:uri="http://purl.org/dc/terms/"/>
-    <ds:schemaRef ds:uri="http://schemas.microsoft.com/internal/obd"/>
+    <ds:schemaRef ds:uri="http://schemas.microsoft.com/sharepoint/v3/contenttype/forms"/>
   </ds:schemaRefs>
 </ds:datastoreItem>
 </file>
